--- a/AkuafoLinkPitchNew.pptx
+++ b/AkuafoLinkPitchNew.pptx
@@ -6281,12 +6281,31 @@
             <p:ph idx="1"/>
           </p:nvPr>
         </p:nvSpPr>
-        <p:spPr/>
-        <p:txBody>
-          <a:bodyPr/>
-          <a:lstStyle/>
-          <a:p>
-            <a:endParaRPr lang="en-GH"/>
+        <p:spPr>
+          <a:xfrm>
+            <a:off x="677334" y="1930400"/>
+            <a:ext cx="8596668" cy="3880773"/>
+          </a:xfrm>
+        </p:spPr>
+        <p:txBody>
+          <a:bodyPr>
+            <a:normAutofit/>
+          </a:bodyPr>
+          <a:lstStyle/>
+          <a:p>
+            <a:r>
+              <a:rPr lang="en-US" sz="2800" dirty="0"/>
+              <a:t>Considering he cost of rent, electricity, internet and other factors as well as web hosting, we would be glad if we could </a:t>
+            </a:r>
+            <a:r>
+              <a:rPr lang="en-US" sz="2800"/>
+              <a:t>receive 5500 </a:t>
+            </a:r>
+            <a:r>
+              <a:rPr lang="en-US" sz="2800" dirty="0"/>
+              <a:t>Ghana cedis to bring our business idea into fruition.</a:t>
+            </a:r>
+            <a:endParaRPr lang="en-GH" sz="2800" dirty="0"/>
           </a:p>
         </p:txBody>
       </p:sp>
